--- a/OR.pptx
+++ b/OR.pptx
@@ -115,6 +115,11 @@
       </a:defRPr>
     </a:lvl9pPr>
   </p:defaultTextStyle>
+  <p:extLst>
+    <p:ext uri="{EFAFB233-063F-42B5-8137-9DF3F51BA10A}">
+      <p15:sldGuideLst xmlns:p15="http://schemas.microsoft.com/office/powerpoint/2012/main"/>
+    </p:ext>
+  </p:extLst>
 </p:presentation>
 </file>
 
@@ -200,7 +205,7 @@
           <a:p>
             <a:fld id="{D10DF3A7-E762-4EDA-96A0-0014D68F43FF}" type="datetimeFigureOut">
               <a:rPr lang="zh-TW" altLang="en-US" smtClean="0"/>
-              <a:t>2019/1/3</a:t>
+              <a:t>2019/1/4</a:t>
             </a:fld>
             <a:endParaRPr lang="zh-TW" altLang="en-US"/>
           </a:p>
@@ -513,7 +518,15 @@
           <a:p>
             <a:r>
               <a:rPr lang="zh-TW" altLang="en-US" dirty="0"/>
-              <a:t>讓想要申請成大理工科系的高中生用最短的路徑  了解成大校園和科系 </a:t>
+              <a:t>我們這組做的是成大校園參觀路線</a:t>
+            </a:r>
+            <a:r>
+              <a:rPr lang="en-US" altLang="zh-TW" dirty="0"/>
+              <a:t>,</a:t>
+            </a:r>
+            <a:r>
+              <a:rPr lang="zh-TW" altLang="en-US" dirty="0"/>
+              <a:t>主要是可以給一般民眾或想要申請成大的高中生 利用最短路徑 了解成大校園</a:t>
             </a:r>
           </a:p>
         </p:txBody>
@@ -535,7 +548,7 @@
           <a:p>
             <a:fld id="{A33FC8EC-4555-489F-AB97-D47ABE6A5F30}" type="slidenum">
               <a:rPr lang="zh-TW" altLang="en-US" smtClean="0"/>
-              <a:t>2</a:t>
+              <a:t>1</a:t>
             </a:fld>
             <a:endParaRPr lang="zh-TW" altLang="en-US"/>
           </a:p>
@@ -544,7 +557,7 @@
     </p:spTree>
     <p:extLst>
       <p:ext uri="{BB962C8B-B14F-4D97-AF65-F5344CB8AC3E}">
-        <p14:creationId xmlns:p14="http://schemas.microsoft.com/office/powerpoint/2010/main" val="2931965618"/>
+        <p14:creationId xmlns:p14="http://schemas.microsoft.com/office/powerpoint/2010/main" val="3502228579"/>
       </p:ext>
     </p:extLst>
   </p:cSld>
@@ -599,20 +612,8 @@
           <a:lstStyle/>
           <a:p>
             <a:r>
-              <a:rPr lang="en-US" altLang="zh-TW" dirty="0"/>
-              <a:t>Google map</a:t>
-            </a:r>
-            <a:r>
               <a:rPr lang="zh-TW" altLang="en-US" dirty="0"/>
-              <a:t>的</a:t>
-            </a:r>
-            <a:r>
-              <a:rPr lang="en-US" altLang="zh-TW" dirty="0" err="1"/>
-              <a:t>api</a:t>
-            </a:r>
-            <a:r>
-              <a:rPr lang="zh-TW" altLang="en-US" dirty="0"/>
-              <a:t>需要錢</a:t>
+              <a:t>我們的參觀地點有榕園 成功湖 總圖 和理學院 工學院 電資學院的系</a:t>
             </a:r>
           </a:p>
         </p:txBody>
@@ -634,7 +635,7 @@
           <a:p>
             <a:fld id="{A33FC8EC-4555-489F-AB97-D47ABE6A5F30}" type="slidenum">
               <a:rPr lang="zh-TW" altLang="en-US" smtClean="0"/>
-              <a:t>4</a:t>
+              <a:t>2</a:t>
             </a:fld>
             <a:endParaRPr lang="zh-TW" altLang="en-US"/>
           </a:p>
@@ -643,7 +644,7 @@
     </p:spTree>
     <p:extLst>
       <p:ext uri="{BB962C8B-B14F-4D97-AF65-F5344CB8AC3E}">
-        <p14:creationId xmlns:p14="http://schemas.microsoft.com/office/powerpoint/2010/main" val="3207377528"/>
+        <p14:creationId xmlns:p14="http://schemas.microsoft.com/office/powerpoint/2010/main" val="2931965618"/>
       </p:ext>
     </p:extLst>
   </p:cSld>
@@ -697,7 +698,577 @@
           <a:bodyPr/>
           <a:lstStyle/>
           <a:p>
-            <a:endParaRPr lang="zh-TW" altLang="en-US" dirty="0"/>
+            <a:r>
+              <a:rPr lang="zh-TW" altLang="en-US" dirty="0"/>
+              <a:t>這是那些地點在地圖上的分布位置</a:t>
+            </a:r>
+          </a:p>
+        </p:txBody>
+      </p:sp>
+      <p:sp>
+        <p:nvSpPr>
+          <p:cNvPr id="4" name="投影片編號版面配置區 3"/>
+          <p:cNvSpPr>
+            <a:spLocks noGrp="1"/>
+          </p:cNvSpPr>
+          <p:nvPr>
+            <p:ph type="sldNum" sz="quarter" idx="10"/>
+          </p:nvPr>
+        </p:nvSpPr>
+        <p:spPr/>
+        <p:txBody>
+          <a:bodyPr/>
+          <a:lstStyle/>
+          <a:p>
+            <a:fld id="{A33FC8EC-4555-489F-AB97-D47ABE6A5F30}" type="slidenum">
+              <a:rPr lang="zh-TW" altLang="en-US" smtClean="0"/>
+              <a:t>3</a:t>
+            </a:fld>
+            <a:endParaRPr lang="zh-TW" altLang="en-US"/>
+          </a:p>
+        </p:txBody>
+      </p:sp>
+    </p:spTree>
+    <p:extLst>
+      <p:ext uri="{BB962C8B-B14F-4D97-AF65-F5344CB8AC3E}">
+        <p14:creationId xmlns:p14="http://schemas.microsoft.com/office/powerpoint/2010/main" val="4216118058"/>
+      </p:ext>
+    </p:extLst>
+  </p:cSld>
+  <p:clrMapOvr>
+    <a:masterClrMapping/>
+  </p:clrMapOvr>
+</p:notes>
+</file>
+
+<file path=ppt/notesSlides/notesSlide4.xml><?xml version="1.0" encoding="utf-8"?>
+<p:notes xmlns:a="http://schemas.openxmlformats.org/drawingml/2006/main" xmlns:r="http://schemas.openxmlformats.org/officeDocument/2006/relationships" xmlns:p="http://schemas.openxmlformats.org/presentationml/2006/main">
+  <p:cSld>
+    <p:spTree>
+      <p:nvGrpSpPr>
+        <p:cNvPr id="1" name=""/>
+        <p:cNvGrpSpPr/>
+        <p:nvPr/>
+      </p:nvGrpSpPr>
+      <p:grpSpPr>
+        <a:xfrm>
+          <a:off x="0" y="0"/>
+          <a:ext cx="0" cy="0"/>
+          <a:chOff x="0" y="0"/>
+          <a:chExt cx="0" cy="0"/>
+        </a:xfrm>
+      </p:grpSpPr>
+      <p:sp>
+        <p:nvSpPr>
+          <p:cNvPr id="2" name="投影片影像版面配置區 1"/>
+          <p:cNvSpPr>
+            <a:spLocks noGrp="1" noRot="1" noChangeAspect="1"/>
+          </p:cNvSpPr>
+          <p:nvPr>
+            <p:ph type="sldImg"/>
+          </p:nvPr>
+        </p:nvSpPr>
+        <p:spPr/>
+      </p:sp>
+      <p:sp>
+        <p:nvSpPr>
+          <p:cNvPr id="3" name="備忘稿版面配置區 2"/>
+          <p:cNvSpPr>
+            <a:spLocks noGrp="1"/>
+          </p:cNvSpPr>
+          <p:nvPr>
+            <p:ph type="body" idx="1"/>
+          </p:nvPr>
+        </p:nvSpPr>
+        <p:spPr/>
+        <p:txBody>
+          <a:bodyPr/>
+          <a:lstStyle/>
+          <a:p>
+            <a:r>
+              <a:rPr lang="zh-TW" altLang="en-US" dirty="0"/>
+              <a:t>因為</a:t>
+            </a:r>
+            <a:r>
+              <a:rPr lang="en-US" altLang="zh-TW" dirty="0"/>
+              <a:t>Google </a:t>
+            </a:r>
+            <a:r>
+              <a:rPr lang="zh-TW" altLang="en-US" dirty="0"/>
+              <a:t>地圖的</a:t>
+            </a:r>
+            <a:r>
+              <a:rPr lang="en-US" altLang="zh-TW" dirty="0" err="1"/>
+              <a:t>api</a:t>
+            </a:r>
+            <a:r>
+              <a:rPr lang="zh-TW" altLang="en-US" dirty="0"/>
+              <a:t>需要錢</a:t>
+            </a:r>
+            <a:r>
+              <a:rPr lang="en-US" altLang="zh-TW" dirty="0"/>
+              <a:t>,</a:t>
+            </a:r>
+            <a:r>
+              <a:rPr lang="zh-TW" altLang="en-US" dirty="0"/>
+              <a:t> 所以我們是直接用</a:t>
+            </a:r>
+            <a:r>
+              <a:rPr lang="en-US" altLang="zh-TW" dirty="0"/>
+              <a:t>google</a:t>
+            </a:r>
+            <a:r>
+              <a:rPr lang="zh-TW" altLang="en-US" dirty="0"/>
+              <a:t> </a:t>
+            </a:r>
+            <a:r>
+              <a:rPr lang="en-US" altLang="zh-TW" dirty="0"/>
+              <a:t>map</a:t>
+            </a:r>
+            <a:r>
+              <a:rPr lang="zh-TW" altLang="en-US" dirty="0"/>
+              <a:t>找出各點的經緯度</a:t>
+            </a:r>
+          </a:p>
+        </p:txBody>
+      </p:sp>
+      <p:sp>
+        <p:nvSpPr>
+          <p:cNvPr id="4" name="投影片編號版面配置區 3"/>
+          <p:cNvSpPr>
+            <a:spLocks noGrp="1"/>
+          </p:cNvSpPr>
+          <p:nvPr>
+            <p:ph type="sldNum" sz="quarter" idx="10"/>
+          </p:nvPr>
+        </p:nvSpPr>
+        <p:spPr/>
+        <p:txBody>
+          <a:bodyPr/>
+          <a:lstStyle/>
+          <a:p>
+            <a:fld id="{A33FC8EC-4555-489F-AB97-D47ABE6A5F30}" type="slidenum">
+              <a:rPr lang="zh-TW" altLang="en-US" smtClean="0"/>
+              <a:t>4</a:t>
+            </a:fld>
+            <a:endParaRPr lang="zh-TW" altLang="en-US"/>
+          </a:p>
+        </p:txBody>
+      </p:sp>
+    </p:spTree>
+    <p:extLst>
+      <p:ext uri="{BB962C8B-B14F-4D97-AF65-F5344CB8AC3E}">
+        <p14:creationId xmlns:p14="http://schemas.microsoft.com/office/powerpoint/2010/main" val="3207377528"/>
+      </p:ext>
+    </p:extLst>
+  </p:cSld>
+  <p:clrMapOvr>
+    <a:masterClrMapping/>
+  </p:clrMapOvr>
+</p:notes>
+</file>
+
+<file path=ppt/notesSlides/notesSlide5.xml><?xml version="1.0" encoding="utf-8"?>
+<p:notes xmlns:a="http://schemas.openxmlformats.org/drawingml/2006/main" xmlns:r="http://schemas.openxmlformats.org/officeDocument/2006/relationships" xmlns:p="http://schemas.openxmlformats.org/presentationml/2006/main">
+  <p:cSld>
+    <p:spTree>
+      <p:nvGrpSpPr>
+        <p:cNvPr id="1" name=""/>
+        <p:cNvGrpSpPr/>
+        <p:nvPr/>
+      </p:nvGrpSpPr>
+      <p:grpSpPr>
+        <a:xfrm>
+          <a:off x="0" y="0"/>
+          <a:ext cx="0" cy="0"/>
+          <a:chOff x="0" y="0"/>
+          <a:chExt cx="0" cy="0"/>
+        </a:xfrm>
+      </p:grpSpPr>
+      <p:sp>
+        <p:nvSpPr>
+          <p:cNvPr id="2" name="投影片影像版面配置區 1"/>
+          <p:cNvSpPr>
+            <a:spLocks noGrp="1" noRot="1" noChangeAspect="1"/>
+          </p:cNvSpPr>
+          <p:nvPr>
+            <p:ph type="sldImg"/>
+          </p:nvPr>
+        </p:nvSpPr>
+        <p:spPr/>
+      </p:sp>
+      <p:sp>
+        <p:nvSpPr>
+          <p:cNvPr id="3" name="備忘稿版面配置區 2"/>
+          <p:cNvSpPr>
+            <a:spLocks noGrp="1"/>
+          </p:cNvSpPr>
+          <p:nvPr>
+            <p:ph type="body" idx="1"/>
+          </p:nvPr>
+        </p:nvSpPr>
+        <p:spPr/>
+        <p:txBody>
+          <a:bodyPr/>
+          <a:lstStyle/>
+          <a:p>
+            <a:r>
+              <a:rPr lang="zh-TW" altLang="en-US" dirty="0"/>
+              <a:t>這裡是利用</a:t>
+            </a:r>
+            <a:r>
+              <a:rPr lang="en-US" altLang="zh-TW" dirty="0"/>
+              <a:t>map</a:t>
+            </a:r>
+            <a:r>
+              <a:rPr lang="zh-TW" altLang="en-US" dirty="0"/>
+              <a:t>儲存地點和他對應的編號</a:t>
+            </a:r>
+          </a:p>
+        </p:txBody>
+      </p:sp>
+      <p:sp>
+        <p:nvSpPr>
+          <p:cNvPr id="4" name="投影片編號版面配置區 3"/>
+          <p:cNvSpPr>
+            <a:spLocks noGrp="1"/>
+          </p:cNvSpPr>
+          <p:nvPr>
+            <p:ph type="sldNum" sz="quarter" idx="10"/>
+          </p:nvPr>
+        </p:nvSpPr>
+        <p:spPr/>
+        <p:txBody>
+          <a:bodyPr/>
+          <a:lstStyle/>
+          <a:p>
+            <a:fld id="{A33FC8EC-4555-489F-AB97-D47ABE6A5F30}" type="slidenum">
+              <a:rPr lang="zh-TW" altLang="en-US" smtClean="0"/>
+              <a:t>5</a:t>
+            </a:fld>
+            <a:endParaRPr lang="zh-TW" altLang="en-US"/>
+          </a:p>
+        </p:txBody>
+      </p:sp>
+    </p:spTree>
+    <p:extLst>
+      <p:ext uri="{BB962C8B-B14F-4D97-AF65-F5344CB8AC3E}">
+        <p14:creationId xmlns:p14="http://schemas.microsoft.com/office/powerpoint/2010/main" val="1786817788"/>
+      </p:ext>
+    </p:extLst>
+  </p:cSld>
+  <p:clrMapOvr>
+    <a:masterClrMapping/>
+  </p:clrMapOvr>
+</p:notes>
+</file>
+
+<file path=ppt/notesSlides/notesSlide6.xml><?xml version="1.0" encoding="utf-8"?>
+<p:notes xmlns:a="http://schemas.openxmlformats.org/drawingml/2006/main" xmlns:r="http://schemas.openxmlformats.org/officeDocument/2006/relationships" xmlns:p="http://schemas.openxmlformats.org/presentationml/2006/main">
+  <p:cSld>
+    <p:spTree>
+      <p:nvGrpSpPr>
+        <p:cNvPr id="1" name=""/>
+        <p:cNvGrpSpPr/>
+        <p:nvPr/>
+      </p:nvGrpSpPr>
+      <p:grpSpPr>
+        <a:xfrm>
+          <a:off x="0" y="0"/>
+          <a:ext cx="0" cy="0"/>
+          <a:chOff x="0" y="0"/>
+          <a:chExt cx="0" cy="0"/>
+        </a:xfrm>
+      </p:grpSpPr>
+      <p:sp>
+        <p:nvSpPr>
+          <p:cNvPr id="2" name="投影片影像版面配置區 1"/>
+          <p:cNvSpPr>
+            <a:spLocks noGrp="1" noRot="1" noChangeAspect="1"/>
+          </p:cNvSpPr>
+          <p:nvPr>
+            <p:ph type="sldImg"/>
+          </p:nvPr>
+        </p:nvSpPr>
+        <p:spPr/>
+      </p:sp>
+      <p:sp>
+        <p:nvSpPr>
+          <p:cNvPr id="3" name="備忘稿版面配置區 2"/>
+          <p:cNvSpPr>
+            <a:spLocks noGrp="1"/>
+          </p:cNvSpPr>
+          <p:nvPr>
+            <p:ph type="body" idx="1"/>
+          </p:nvPr>
+        </p:nvSpPr>
+        <p:spPr/>
+        <p:txBody>
+          <a:bodyPr/>
+          <a:lstStyle/>
+          <a:p>
+            <a:r>
+              <a:rPr lang="zh-TW" altLang="en-US"/>
+              <a:t>然後接下來要計算</a:t>
+            </a:r>
+            <a:r>
+              <a:rPr lang="zh-TW" altLang="en-US" dirty="0"/>
+              <a:t>出各點之間的距離</a:t>
+            </a:r>
+            <a:r>
+              <a:rPr lang="en-US" altLang="zh-TW" dirty="0"/>
+              <a:t>,</a:t>
+            </a:r>
+            <a:r>
+              <a:rPr lang="zh-TW" altLang="en-US" dirty="0"/>
+              <a:t>我們是用這個</a:t>
+            </a:r>
+            <a:r>
+              <a:rPr lang="en-US" altLang="zh-TW" dirty="0"/>
+              <a:t>function</a:t>
+            </a:r>
+            <a:r>
+              <a:rPr lang="zh-TW" altLang="en-US" dirty="0"/>
+              <a:t>算出距離</a:t>
+            </a:r>
+            <a:r>
+              <a:rPr lang="en-US" altLang="zh-TW" dirty="0"/>
+              <a:t>,</a:t>
+            </a:r>
+            <a:r>
+              <a:rPr lang="zh-TW" altLang="en-US" dirty="0"/>
+              <a:t>再把它存在</a:t>
+            </a:r>
+            <a:r>
+              <a:rPr lang="en-US" altLang="zh-TW" dirty="0"/>
+              <a:t>array</a:t>
+            </a:r>
+            <a:r>
+              <a:rPr lang="zh-TW" altLang="en-US" dirty="0"/>
+              <a:t>裡</a:t>
+            </a:r>
+          </a:p>
+        </p:txBody>
+      </p:sp>
+      <p:sp>
+        <p:nvSpPr>
+          <p:cNvPr id="4" name="投影片編號版面配置區 3"/>
+          <p:cNvSpPr>
+            <a:spLocks noGrp="1"/>
+          </p:cNvSpPr>
+          <p:nvPr>
+            <p:ph type="sldNum" sz="quarter" idx="10"/>
+          </p:nvPr>
+        </p:nvSpPr>
+        <p:spPr/>
+        <p:txBody>
+          <a:bodyPr/>
+          <a:lstStyle/>
+          <a:p>
+            <a:fld id="{A33FC8EC-4555-489F-AB97-D47ABE6A5F30}" type="slidenum">
+              <a:rPr lang="zh-TW" altLang="en-US" smtClean="0"/>
+              <a:t>6</a:t>
+            </a:fld>
+            <a:endParaRPr lang="zh-TW" altLang="en-US"/>
+          </a:p>
+        </p:txBody>
+      </p:sp>
+    </p:spTree>
+    <p:extLst>
+      <p:ext uri="{BB962C8B-B14F-4D97-AF65-F5344CB8AC3E}">
+        <p14:creationId xmlns:p14="http://schemas.microsoft.com/office/powerpoint/2010/main" val="1207481393"/>
+      </p:ext>
+    </p:extLst>
+  </p:cSld>
+  <p:clrMapOvr>
+    <a:masterClrMapping/>
+  </p:clrMapOvr>
+</p:notes>
+</file>
+
+<file path=ppt/notesSlides/notesSlide7.xml><?xml version="1.0" encoding="utf-8"?>
+<p:notes xmlns:a="http://schemas.openxmlformats.org/drawingml/2006/main" xmlns:r="http://schemas.openxmlformats.org/officeDocument/2006/relationships" xmlns:p="http://schemas.openxmlformats.org/presentationml/2006/main">
+  <p:cSld>
+    <p:spTree>
+      <p:nvGrpSpPr>
+        <p:cNvPr id="1" name=""/>
+        <p:cNvGrpSpPr/>
+        <p:nvPr/>
+      </p:nvGrpSpPr>
+      <p:grpSpPr>
+        <a:xfrm>
+          <a:off x="0" y="0"/>
+          <a:ext cx="0" cy="0"/>
+          <a:chOff x="0" y="0"/>
+          <a:chExt cx="0" cy="0"/>
+        </a:xfrm>
+      </p:grpSpPr>
+      <p:sp>
+        <p:nvSpPr>
+          <p:cNvPr id="2" name="投影片影像版面配置區 1"/>
+          <p:cNvSpPr>
+            <a:spLocks noGrp="1" noRot="1" noChangeAspect="1"/>
+          </p:cNvSpPr>
+          <p:nvPr>
+            <p:ph type="sldImg"/>
+          </p:nvPr>
+        </p:nvSpPr>
+        <p:spPr/>
+      </p:sp>
+      <p:sp>
+        <p:nvSpPr>
+          <p:cNvPr id="3" name="備忘稿版面配置區 2"/>
+          <p:cNvSpPr>
+            <a:spLocks noGrp="1"/>
+          </p:cNvSpPr>
+          <p:nvPr>
+            <p:ph type="body" idx="1"/>
+          </p:nvPr>
+        </p:nvSpPr>
+        <p:spPr/>
+        <p:txBody>
+          <a:bodyPr/>
+          <a:lstStyle/>
+          <a:p>
+            <a:r>
+              <a:rPr lang="zh-TW" altLang="en-US" dirty="0"/>
+              <a:t>把剛剛那些資訊整理之後</a:t>
+            </a:r>
+            <a:r>
+              <a:rPr lang="en-US" altLang="zh-TW" dirty="0"/>
+              <a:t>,</a:t>
+            </a:r>
+            <a:r>
+              <a:rPr lang="zh-TW" altLang="en-US" dirty="0"/>
+              <a:t>丟到</a:t>
+            </a:r>
+            <a:r>
+              <a:rPr lang="en-US" altLang="zh-TW" dirty="0"/>
+              <a:t>tsp</a:t>
+            </a:r>
+            <a:r>
+              <a:rPr lang="zh-TW" altLang="en-US" dirty="0"/>
+              <a:t>的</a:t>
+            </a:r>
+            <a:r>
+              <a:rPr lang="en-US" altLang="zh-TW" dirty="0"/>
+              <a:t>package</a:t>
+            </a:r>
+            <a:r>
+              <a:rPr lang="zh-TW" altLang="en-US" dirty="0"/>
+              <a:t>裡面就可以得到答案</a:t>
+            </a:r>
+            <a:r>
+              <a:rPr lang="en-US" altLang="zh-TW" dirty="0"/>
+              <a:t>,</a:t>
+            </a:r>
+            <a:r>
+              <a:rPr lang="zh-TW" altLang="en-US" dirty="0"/>
+              <a:t>前面那個</a:t>
+            </a:r>
+            <a:r>
+              <a:rPr lang="en-US" altLang="zh-TW" dirty="0"/>
+              <a:t>4.2244</a:t>
+            </a:r>
+            <a:r>
+              <a:rPr lang="zh-TW" altLang="en-US" dirty="0"/>
+              <a:t>是指最短路徑的長度</a:t>
+            </a:r>
+            <a:r>
+              <a:rPr lang="en-US" altLang="zh-TW" dirty="0"/>
+              <a:t>,</a:t>
+            </a:r>
+            <a:r>
+              <a:rPr lang="zh-TW" altLang="en-US" dirty="0"/>
+              <a:t>後面的是地點的順序</a:t>
+            </a:r>
+          </a:p>
+        </p:txBody>
+      </p:sp>
+      <p:sp>
+        <p:nvSpPr>
+          <p:cNvPr id="4" name="投影片編號版面配置區 3"/>
+          <p:cNvSpPr>
+            <a:spLocks noGrp="1"/>
+          </p:cNvSpPr>
+          <p:nvPr>
+            <p:ph type="sldNum" sz="quarter" idx="10"/>
+          </p:nvPr>
+        </p:nvSpPr>
+        <p:spPr/>
+        <p:txBody>
+          <a:bodyPr/>
+          <a:lstStyle/>
+          <a:p>
+            <a:fld id="{A33FC8EC-4555-489F-AB97-D47ABE6A5F30}" type="slidenum">
+              <a:rPr lang="zh-TW" altLang="en-US" smtClean="0"/>
+              <a:t>7</a:t>
+            </a:fld>
+            <a:endParaRPr lang="zh-TW" altLang="en-US"/>
+          </a:p>
+        </p:txBody>
+      </p:sp>
+    </p:spTree>
+    <p:extLst>
+      <p:ext uri="{BB962C8B-B14F-4D97-AF65-F5344CB8AC3E}">
+        <p14:creationId xmlns:p14="http://schemas.microsoft.com/office/powerpoint/2010/main" val="839246907"/>
+      </p:ext>
+    </p:extLst>
+  </p:cSld>
+  <p:clrMapOvr>
+    <a:masterClrMapping/>
+  </p:clrMapOvr>
+</p:notes>
+</file>
+
+<file path=ppt/notesSlides/notesSlide8.xml><?xml version="1.0" encoding="utf-8"?>
+<p:notes xmlns:a="http://schemas.openxmlformats.org/drawingml/2006/main" xmlns:r="http://schemas.openxmlformats.org/officeDocument/2006/relationships" xmlns:p="http://schemas.openxmlformats.org/presentationml/2006/main">
+  <p:cSld>
+    <p:spTree>
+      <p:nvGrpSpPr>
+        <p:cNvPr id="1" name=""/>
+        <p:cNvGrpSpPr/>
+        <p:nvPr/>
+      </p:nvGrpSpPr>
+      <p:grpSpPr>
+        <a:xfrm>
+          <a:off x="0" y="0"/>
+          <a:ext cx="0" cy="0"/>
+          <a:chOff x="0" y="0"/>
+          <a:chExt cx="0" cy="0"/>
+        </a:xfrm>
+      </p:grpSpPr>
+      <p:sp>
+        <p:nvSpPr>
+          <p:cNvPr id="2" name="投影片影像版面配置區 1"/>
+          <p:cNvSpPr>
+            <a:spLocks noGrp="1" noRot="1" noChangeAspect="1"/>
+          </p:cNvSpPr>
+          <p:nvPr>
+            <p:ph type="sldImg"/>
+          </p:nvPr>
+        </p:nvSpPr>
+        <p:spPr/>
+      </p:sp>
+      <p:sp>
+        <p:nvSpPr>
+          <p:cNvPr id="3" name="備忘稿版面配置區 2"/>
+          <p:cNvSpPr>
+            <a:spLocks noGrp="1"/>
+          </p:cNvSpPr>
+          <p:nvPr>
+            <p:ph type="body" idx="1"/>
+          </p:nvPr>
+        </p:nvSpPr>
+        <p:spPr/>
+        <p:txBody>
+          <a:bodyPr/>
+          <a:lstStyle/>
+          <a:p>
+            <a:r>
+              <a:rPr lang="zh-TW" altLang="en-US" dirty="0"/>
+              <a:t>這裡只是把剛剛的編號轉換成各自的名稱</a:t>
+            </a:r>
           </a:p>
         </p:txBody>
       </p:sp>
@@ -728,6 +1299,94 @@
     <p:extLst>
       <p:ext uri="{BB962C8B-B14F-4D97-AF65-F5344CB8AC3E}">
         <p14:creationId xmlns:p14="http://schemas.microsoft.com/office/powerpoint/2010/main" val="1294386705"/>
+      </p:ext>
+    </p:extLst>
+  </p:cSld>
+  <p:clrMapOvr>
+    <a:masterClrMapping/>
+  </p:clrMapOvr>
+</p:notes>
+</file>
+
+<file path=ppt/notesSlides/notesSlide9.xml><?xml version="1.0" encoding="utf-8"?>
+<p:notes xmlns:a="http://schemas.openxmlformats.org/drawingml/2006/main" xmlns:r="http://schemas.openxmlformats.org/officeDocument/2006/relationships" xmlns:p="http://schemas.openxmlformats.org/presentationml/2006/main">
+  <p:cSld>
+    <p:spTree>
+      <p:nvGrpSpPr>
+        <p:cNvPr id="1" name=""/>
+        <p:cNvGrpSpPr/>
+        <p:nvPr/>
+      </p:nvGrpSpPr>
+      <p:grpSpPr>
+        <a:xfrm>
+          <a:off x="0" y="0"/>
+          <a:ext cx="0" cy="0"/>
+          <a:chOff x="0" y="0"/>
+          <a:chExt cx="0" cy="0"/>
+        </a:xfrm>
+      </p:grpSpPr>
+      <p:sp>
+        <p:nvSpPr>
+          <p:cNvPr id="2" name="投影片影像版面配置區 1"/>
+          <p:cNvSpPr>
+            <a:spLocks noGrp="1" noRot="1" noChangeAspect="1"/>
+          </p:cNvSpPr>
+          <p:nvPr>
+            <p:ph type="sldImg"/>
+          </p:nvPr>
+        </p:nvSpPr>
+        <p:spPr/>
+      </p:sp>
+      <p:sp>
+        <p:nvSpPr>
+          <p:cNvPr id="3" name="備忘稿版面配置區 2"/>
+          <p:cNvSpPr>
+            <a:spLocks noGrp="1"/>
+          </p:cNvSpPr>
+          <p:nvPr>
+            <p:ph type="body" idx="1"/>
+          </p:nvPr>
+        </p:nvSpPr>
+        <p:spPr/>
+        <p:txBody>
+          <a:bodyPr/>
+          <a:lstStyle/>
+          <a:p>
+            <a:r>
+              <a:rPr lang="zh-TW" altLang="en-US"/>
+              <a:t>把結果畫出來就會長這樣</a:t>
+            </a:r>
+            <a:endParaRPr lang="zh-TW" altLang="en-US" dirty="0"/>
+          </a:p>
+        </p:txBody>
+      </p:sp>
+      <p:sp>
+        <p:nvSpPr>
+          <p:cNvPr id="4" name="投影片編號版面配置區 3"/>
+          <p:cNvSpPr>
+            <a:spLocks noGrp="1"/>
+          </p:cNvSpPr>
+          <p:nvPr>
+            <p:ph type="sldNum" sz="quarter" idx="10"/>
+          </p:nvPr>
+        </p:nvSpPr>
+        <p:spPr/>
+        <p:txBody>
+          <a:bodyPr/>
+          <a:lstStyle/>
+          <a:p>
+            <a:fld id="{A33FC8EC-4555-489F-AB97-D47ABE6A5F30}" type="slidenum">
+              <a:rPr lang="zh-TW" altLang="en-US" smtClean="0"/>
+              <a:t>9</a:t>
+            </a:fld>
+            <a:endParaRPr lang="zh-TW" altLang="en-US"/>
+          </a:p>
+        </p:txBody>
+      </p:sp>
+    </p:spTree>
+    <p:extLst>
+      <p:ext uri="{BB962C8B-B14F-4D97-AF65-F5344CB8AC3E}">
+        <p14:creationId xmlns:p14="http://schemas.microsoft.com/office/powerpoint/2010/main" val="2755956211"/>
       </p:ext>
     </p:extLst>
   </p:cSld>
@@ -1459,7 +2118,7 @@
           <a:p>
             <a:fld id="{F5A44948-B646-4633-AFB4-041B193E6345}" type="datetimeFigureOut">
               <a:rPr lang="zh-TW" altLang="en-US" smtClean="0"/>
-              <a:t>2019/1/3</a:t>
+              <a:t>2019/1/4</a:t>
             </a:fld>
             <a:endParaRPr lang="zh-TW" altLang="en-US"/>
           </a:p>
@@ -1710,7 +2369,7 @@
           <a:p>
             <a:fld id="{F5A44948-B646-4633-AFB4-041B193E6345}" type="datetimeFigureOut">
               <a:rPr lang="zh-TW" altLang="en-US" smtClean="0"/>
-              <a:t>2019/1/3</a:t>
+              <a:t>2019/1/4</a:t>
             </a:fld>
             <a:endParaRPr lang="zh-TW" altLang="en-US"/>
           </a:p>
@@ -2024,7 +2683,7 @@
           <a:p>
             <a:fld id="{F5A44948-B646-4633-AFB4-041B193E6345}" type="datetimeFigureOut">
               <a:rPr lang="zh-TW" altLang="en-US" smtClean="0"/>
-              <a:t>2019/1/3</a:t>
+              <a:t>2019/1/4</a:t>
             </a:fld>
             <a:endParaRPr lang="zh-TW" altLang="en-US"/>
           </a:p>
@@ -2365,7 +3024,7 @@
           <a:p>
             <a:fld id="{F5A44948-B646-4633-AFB4-041B193E6345}" type="datetimeFigureOut">
               <a:rPr lang="zh-TW" altLang="en-US" smtClean="0"/>
-              <a:t>2019/1/3</a:t>
+              <a:t>2019/1/4</a:t>
             </a:fld>
             <a:endParaRPr lang="zh-TW" altLang="en-US"/>
           </a:p>
@@ -2679,7 +3338,7 @@
           <a:p>
             <a:fld id="{F5A44948-B646-4633-AFB4-041B193E6345}" type="datetimeFigureOut">
               <a:rPr lang="zh-TW" altLang="en-US" smtClean="0"/>
-              <a:t>2019/1/3</a:t>
+              <a:t>2019/1/4</a:t>
             </a:fld>
             <a:endParaRPr lang="zh-TW" altLang="en-US"/>
           </a:p>
@@ -3072,7 +3731,7 @@
           <a:p>
             <a:fld id="{F5A44948-B646-4633-AFB4-041B193E6345}" type="datetimeFigureOut">
               <a:rPr lang="zh-TW" altLang="en-US" smtClean="0"/>
-              <a:t>2019/1/3</a:t>
+              <a:t>2019/1/4</a:t>
             </a:fld>
             <a:endParaRPr lang="zh-TW" altLang="en-US"/>
           </a:p>
@@ -3242,7 +3901,7 @@
           <a:p>
             <a:fld id="{F5A44948-B646-4633-AFB4-041B193E6345}" type="datetimeFigureOut">
               <a:rPr lang="zh-TW" altLang="en-US" smtClean="0"/>
-              <a:t>2019/1/3</a:t>
+              <a:t>2019/1/4</a:t>
             </a:fld>
             <a:endParaRPr lang="zh-TW" altLang="en-US"/>
           </a:p>
@@ -3422,7 +4081,7 @@
           <a:p>
             <a:fld id="{F5A44948-B646-4633-AFB4-041B193E6345}" type="datetimeFigureOut">
               <a:rPr lang="zh-TW" altLang="en-US" smtClean="0"/>
-              <a:t>2019/1/3</a:t>
+              <a:t>2019/1/4</a:t>
             </a:fld>
             <a:endParaRPr lang="zh-TW" altLang="en-US"/>
           </a:p>
@@ -3598,7 +4257,7 @@
           <a:p>
             <a:fld id="{F5A44948-B646-4633-AFB4-041B193E6345}" type="datetimeFigureOut">
               <a:rPr lang="zh-TW" altLang="en-US" smtClean="0"/>
-              <a:t>2019/1/3</a:t>
+              <a:t>2019/1/4</a:t>
             </a:fld>
             <a:endParaRPr lang="zh-TW" altLang="en-US"/>
           </a:p>
@@ -3845,7 +4504,7 @@
           <a:p>
             <a:fld id="{F5A44948-B646-4633-AFB4-041B193E6345}" type="datetimeFigureOut">
               <a:rPr lang="zh-TW" altLang="en-US" smtClean="0"/>
-              <a:t>2019/1/3</a:t>
+              <a:t>2019/1/4</a:t>
             </a:fld>
             <a:endParaRPr lang="zh-TW" altLang="en-US"/>
           </a:p>
@@ -4077,7 +4736,7 @@
           <a:p>
             <a:fld id="{F5A44948-B646-4633-AFB4-041B193E6345}" type="datetimeFigureOut">
               <a:rPr lang="zh-TW" altLang="en-US" smtClean="0"/>
-              <a:t>2019/1/3</a:t>
+              <a:t>2019/1/4</a:t>
             </a:fld>
             <a:endParaRPr lang="zh-TW" altLang="en-US"/>
           </a:p>
@@ -4451,7 +5110,7 @@
           <a:p>
             <a:fld id="{F5A44948-B646-4633-AFB4-041B193E6345}" type="datetimeFigureOut">
               <a:rPr lang="zh-TW" altLang="en-US" smtClean="0"/>
-              <a:t>2019/1/3</a:t>
+              <a:t>2019/1/4</a:t>
             </a:fld>
             <a:endParaRPr lang="zh-TW" altLang="en-US"/>
           </a:p>
@@ -4574,7 +5233,7 @@
           <a:p>
             <a:fld id="{F5A44948-B646-4633-AFB4-041B193E6345}" type="datetimeFigureOut">
               <a:rPr lang="zh-TW" altLang="en-US" smtClean="0"/>
-              <a:t>2019/1/3</a:t>
+              <a:t>2019/1/4</a:t>
             </a:fld>
             <a:endParaRPr lang="zh-TW" altLang="en-US"/>
           </a:p>
@@ -4669,7 +5328,7 @@
           <a:p>
             <a:fld id="{F5A44948-B646-4633-AFB4-041B193E6345}" type="datetimeFigureOut">
               <a:rPr lang="zh-TW" altLang="en-US" smtClean="0"/>
-              <a:t>2019/1/3</a:t>
+              <a:t>2019/1/4</a:t>
             </a:fld>
             <a:endParaRPr lang="zh-TW" altLang="en-US"/>
           </a:p>
@@ -4924,7 +5583,7 @@
           <a:p>
             <a:fld id="{F5A44948-B646-4633-AFB4-041B193E6345}" type="datetimeFigureOut">
               <a:rPr lang="zh-TW" altLang="en-US" smtClean="0"/>
-              <a:t>2019/1/3</a:t>
+              <a:t>2019/1/4</a:t>
             </a:fld>
             <a:endParaRPr lang="zh-TW" altLang="en-US"/>
           </a:p>
@@ -5187,7 +5846,7 @@
           <a:p>
             <a:fld id="{F5A44948-B646-4633-AFB4-041B193E6345}" type="datetimeFigureOut">
               <a:rPr lang="zh-TW" altLang="en-US" smtClean="0"/>
-              <a:t>2019/1/3</a:t>
+              <a:t>2019/1/4</a:t>
             </a:fld>
             <a:endParaRPr lang="zh-TW" altLang="en-US"/>
           </a:p>
@@ -5930,7 +6589,7 @@
           <a:p>
             <a:fld id="{F5A44948-B646-4633-AFB4-041B193E6345}" type="datetimeFigureOut">
               <a:rPr lang="zh-TW" altLang="en-US" smtClean="0"/>
-              <a:t>2019/1/3</a:t>
+              <a:t>2019/1/4</a:t>
             </a:fld>
             <a:endParaRPr lang="zh-TW" altLang="en-US"/>
           </a:p>
@@ -7458,7 +8117,7 @@
           <p:nvPr/>
         </p:nvPicPr>
         <p:blipFill>
-          <a:blip r:embed="rId2">
+          <a:blip r:embed="rId3">
             <a:extLst>
               <a:ext uri="{28A0092B-C50C-407E-A947-70E740481C1C}">
                 <a14:useLocalDpi xmlns:a14="http://schemas.microsoft.com/office/drawing/2010/main" val="0"/>
@@ -7730,7 +8389,7 @@
           <p:nvPr/>
         </p:nvPicPr>
         <p:blipFill rotWithShape="1">
-          <a:blip r:embed="rId2"/>
+          <a:blip r:embed="rId3"/>
           <a:srcRect l="25714" t="25555" r="21406" b="7891"/>
           <a:stretch/>
         </p:blipFill>
@@ -7845,7 +8504,7 @@
           <p:nvPr/>
         </p:nvPicPr>
         <p:blipFill rotWithShape="1">
-          <a:blip r:embed="rId2"/>
+          <a:blip r:embed="rId3"/>
           <a:srcRect l="19668" t="39445" r="38590" b="39183"/>
           <a:stretch/>
         </p:blipFill>
@@ -7874,7 +8533,7 @@
           <p:nvPr/>
         </p:nvPicPr>
         <p:blipFill rotWithShape="1">
-          <a:blip r:embed="rId3"/>
+          <a:blip r:embed="rId4"/>
           <a:srcRect l="19745" t="54861" r="28594" b="33061"/>
           <a:stretch/>
         </p:blipFill>
@@ -7989,7 +8648,7 @@
           <p:nvPr/>
         </p:nvPicPr>
         <p:blipFill rotWithShape="1">
-          <a:blip r:embed="rId2"/>
+          <a:blip r:embed="rId3"/>
           <a:srcRect l="19592" t="40833" r="15938" b="43402"/>
           <a:stretch/>
         </p:blipFill>
@@ -8182,7 +8841,7 @@
           </p:nvPr>
         </p:nvPicPr>
         <p:blipFill>
-          <a:blip r:embed="rId2">
+          <a:blip r:embed="rId3">
             <a:extLst>
               <a:ext uri="{28A0092B-C50C-407E-A947-70E740481C1C}">
                 <a14:useLocalDpi xmlns:a14="http://schemas.microsoft.com/office/drawing/2010/main" val="0"/>
